--- a/379 - Take my Life and Let it Be.pptx
+++ b/379 - Take my Life and Let it Be.pptx
@@ -246,7 +246,7 @@
           <a:p>
             <a:fld id="{32F7251A-AE54-443C-B8FE-5F636E835EBF}" type="datetimeFigureOut">
               <a:rPr lang="en-US" smtClean="0"/>
-              <a:t>7/23/2017</a:t>
+              <a:t>8/12/2017</a:t>
             </a:fld>
             <a:endParaRPr lang="en-US"/>
           </a:p>
@@ -414,7 +414,7 @@
           <a:p>
             <a:fld id="{32F7251A-AE54-443C-B8FE-5F636E835EBF}" type="datetimeFigureOut">
               <a:rPr lang="en-US" smtClean="0"/>
-              <a:t>7/23/2017</a:t>
+              <a:t>8/12/2017</a:t>
             </a:fld>
             <a:endParaRPr lang="en-US"/>
           </a:p>
@@ -592,7 +592,7 @@
           <a:p>
             <a:fld id="{32F7251A-AE54-443C-B8FE-5F636E835EBF}" type="datetimeFigureOut">
               <a:rPr lang="en-US" smtClean="0"/>
-              <a:t>7/23/2017</a:t>
+              <a:t>8/12/2017</a:t>
             </a:fld>
             <a:endParaRPr lang="en-US"/>
           </a:p>
@@ -760,7 +760,7 @@
           <a:p>
             <a:fld id="{32F7251A-AE54-443C-B8FE-5F636E835EBF}" type="datetimeFigureOut">
               <a:rPr lang="en-US" smtClean="0"/>
-              <a:t>7/23/2017</a:t>
+              <a:t>8/12/2017</a:t>
             </a:fld>
             <a:endParaRPr lang="en-US"/>
           </a:p>
@@ -1005,7 +1005,7 @@
           <a:p>
             <a:fld id="{32F7251A-AE54-443C-B8FE-5F636E835EBF}" type="datetimeFigureOut">
               <a:rPr lang="en-US" smtClean="0"/>
-              <a:t>7/23/2017</a:t>
+              <a:t>8/12/2017</a:t>
             </a:fld>
             <a:endParaRPr lang="en-US"/>
           </a:p>
@@ -1234,7 +1234,7 @@
           <a:p>
             <a:fld id="{32F7251A-AE54-443C-B8FE-5F636E835EBF}" type="datetimeFigureOut">
               <a:rPr lang="en-US" smtClean="0"/>
-              <a:t>7/23/2017</a:t>
+              <a:t>8/12/2017</a:t>
             </a:fld>
             <a:endParaRPr lang="en-US"/>
           </a:p>
@@ -1598,7 +1598,7 @@
           <a:p>
             <a:fld id="{32F7251A-AE54-443C-B8FE-5F636E835EBF}" type="datetimeFigureOut">
               <a:rPr lang="en-US" smtClean="0"/>
-              <a:t>7/23/2017</a:t>
+              <a:t>8/12/2017</a:t>
             </a:fld>
             <a:endParaRPr lang="en-US"/>
           </a:p>
@@ -1715,7 +1715,7 @@
           <a:p>
             <a:fld id="{32F7251A-AE54-443C-B8FE-5F636E835EBF}" type="datetimeFigureOut">
               <a:rPr lang="en-US" smtClean="0"/>
-              <a:t>7/23/2017</a:t>
+              <a:t>8/12/2017</a:t>
             </a:fld>
             <a:endParaRPr lang="en-US"/>
           </a:p>
@@ -1810,7 +1810,7 @@
           <a:p>
             <a:fld id="{32F7251A-AE54-443C-B8FE-5F636E835EBF}" type="datetimeFigureOut">
               <a:rPr lang="en-US" smtClean="0"/>
-              <a:t>7/23/2017</a:t>
+              <a:t>8/12/2017</a:t>
             </a:fld>
             <a:endParaRPr lang="en-US"/>
           </a:p>
@@ -2085,7 +2085,7 @@
           <a:p>
             <a:fld id="{32F7251A-AE54-443C-B8FE-5F636E835EBF}" type="datetimeFigureOut">
               <a:rPr lang="en-US" smtClean="0"/>
-              <a:t>7/23/2017</a:t>
+              <a:t>8/12/2017</a:t>
             </a:fld>
             <a:endParaRPr lang="en-US"/>
           </a:p>
@@ -2337,7 +2337,7 @@
           <a:p>
             <a:fld id="{32F7251A-AE54-443C-B8FE-5F636E835EBF}" type="datetimeFigureOut">
               <a:rPr lang="en-US" smtClean="0"/>
-              <a:t>7/23/2017</a:t>
+              <a:t>8/12/2017</a:t>
             </a:fld>
             <a:endParaRPr lang="en-US"/>
           </a:p>
@@ -2551,7 +2551,7 @@
           <a:p>
             <a:fld id="{32F7251A-AE54-443C-B8FE-5F636E835EBF}" type="datetimeFigureOut">
               <a:rPr lang="en-US" smtClean="0"/>
-              <a:t>7/23/2017</a:t>
+              <a:t>8/12/2017</a:t>
             </a:fld>
             <a:endParaRPr lang="en-US"/>
           </a:p>

--- a/379 - Take my Life and Let it Be.pptx
+++ b/379 - Take my Life and Let it Be.pptx
@@ -113,10 +113,6 @@
 </p:presentation>
 </file>
 
-<file path=ppt/revisionInfo.xml><?xml version="1.0" encoding="utf-8"?>
-<p1510:revInfo xmlns:a="http://schemas.openxmlformats.org/drawingml/2006/main" xmlns:r="http://schemas.openxmlformats.org/officeDocument/2006/relationships" xmlns:p1510="http://schemas.microsoft.com/office/powerpoint/2015/10/main"/>
-</file>
-
 <file path=ppt/slideLayouts/slideLayout1.xml><?xml version="1.0" encoding="utf-8"?>
 <p:sldLayout xmlns:a="http://schemas.openxmlformats.org/drawingml/2006/main" xmlns:r="http://schemas.openxmlformats.org/officeDocument/2006/relationships" xmlns:p="http://schemas.openxmlformats.org/presentationml/2006/main" type="title" preserve="1">
   <p:cSld name="Title Slide">
@@ -246,7 +242,7 @@
           <a:p>
             <a:fld id="{32F7251A-AE54-443C-B8FE-5F636E835EBF}" type="datetimeFigureOut">
               <a:rPr lang="en-US" smtClean="0"/>
-              <a:t>8/12/2017</a:t>
+              <a:t>9/16/2018</a:t>
             </a:fld>
             <a:endParaRPr lang="en-US"/>
           </a:p>
@@ -414,7 +410,7 @@
           <a:p>
             <a:fld id="{32F7251A-AE54-443C-B8FE-5F636E835EBF}" type="datetimeFigureOut">
               <a:rPr lang="en-US" smtClean="0"/>
-              <a:t>8/12/2017</a:t>
+              <a:t>9/16/2018</a:t>
             </a:fld>
             <a:endParaRPr lang="en-US"/>
           </a:p>
@@ -592,7 +588,7 @@
           <a:p>
             <a:fld id="{32F7251A-AE54-443C-B8FE-5F636E835EBF}" type="datetimeFigureOut">
               <a:rPr lang="en-US" smtClean="0"/>
-              <a:t>8/12/2017</a:t>
+              <a:t>9/16/2018</a:t>
             </a:fld>
             <a:endParaRPr lang="en-US"/>
           </a:p>
@@ -760,7 +756,7 @@
           <a:p>
             <a:fld id="{32F7251A-AE54-443C-B8FE-5F636E835EBF}" type="datetimeFigureOut">
               <a:rPr lang="en-US" smtClean="0"/>
-              <a:t>8/12/2017</a:t>
+              <a:t>9/16/2018</a:t>
             </a:fld>
             <a:endParaRPr lang="en-US"/>
           </a:p>
@@ -1005,7 +1001,7 @@
           <a:p>
             <a:fld id="{32F7251A-AE54-443C-B8FE-5F636E835EBF}" type="datetimeFigureOut">
               <a:rPr lang="en-US" smtClean="0"/>
-              <a:t>8/12/2017</a:t>
+              <a:t>9/16/2018</a:t>
             </a:fld>
             <a:endParaRPr lang="en-US"/>
           </a:p>
@@ -1234,7 +1230,7 @@
           <a:p>
             <a:fld id="{32F7251A-AE54-443C-B8FE-5F636E835EBF}" type="datetimeFigureOut">
               <a:rPr lang="en-US" smtClean="0"/>
-              <a:t>8/12/2017</a:t>
+              <a:t>9/16/2018</a:t>
             </a:fld>
             <a:endParaRPr lang="en-US"/>
           </a:p>
@@ -1598,7 +1594,7 @@
           <a:p>
             <a:fld id="{32F7251A-AE54-443C-B8FE-5F636E835EBF}" type="datetimeFigureOut">
               <a:rPr lang="en-US" smtClean="0"/>
-              <a:t>8/12/2017</a:t>
+              <a:t>9/16/2018</a:t>
             </a:fld>
             <a:endParaRPr lang="en-US"/>
           </a:p>
@@ -1715,7 +1711,7 @@
           <a:p>
             <a:fld id="{32F7251A-AE54-443C-B8FE-5F636E835EBF}" type="datetimeFigureOut">
               <a:rPr lang="en-US" smtClean="0"/>
-              <a:t>8/12/2017</a:t>
+              <a:t>9/16/2018</a:t>
             </a:fld>
             <a:endParaRPr lang="en-US"/>
           </a:p>
@@ -1810,7 +1806,7 @@
           <a:p>
             <a:fld id="{32F7251A-AE54-443C-B8FE-5F636E835EBF}" type="datetimeFigureOut">
               <a:rPr lang="en-US" smtClean="0"/>
-              <a:t>8/12/2017</a:t>
+              <a:t>9/16/2018</a:t>
             </a:fld>
             <a:endParaRPr lang="en-US"/>
           </a:p>
@@ -2085,7 +2081,7 @@
           <a:p>
             <a:fld id="{32F7251A-AE54-443C-B8FE-5F636E835EBF}" type="datetimeFigureOut">
               <a:rPr lang="en-US" smtClean="0"/>
-              <a:t>8/12/2017</a:t>
+              <a:t>9/16/2018</a:t>
             </a:fld>
             <a:endParaRPr lang="en-US"/>
           </a:p>
@@ -2337,7 +2333,7 @@
           <a:p>
             <a:fld id="{32F7251A-AE54-443C-B8FE-5F636E835EBF}" type="datetimeFigureOut">
               <a:rPr lang="en-US" smtClean="0"/>
-              <a:t>8/12/2017</a:t>
+              <a:t>9/16/2018</a:t>
             </a:fld>
             <a:endParaRPr lang="en-US"/>
           </a:p>
@@ -2551,7 +2547,7 @@
           <a:p>
             <a:fld id="{32F7251A-AE54-443C-B8FE-5F636E835EBF}" type="datetimeFigureOut">
               <a:rPr lang="en-US" smtClean="0"/>
-              <a:t>8/12/2017</a:t>
+              <a:t>9/16/2018</a:t>
             </a:fld>
             <a:endParaRPr lang="en-US"/>
           </a:p>
@@ -3338,7 +3334,7 @@
                   <a:schemeClr val="bg1"/>
                 </a:solidFill>
               </a:rPr>
-              <a:t>Take my heart, my mind, my well,</a:t>
+              <a:t>Take my heart, my mind, my will,</a:t>
             </a:r>
           </a:p>
           <a:p>
@@ -3401,21 +3397,8 @@
                   <a:schemeClr val="bg1"/>
                 </a:solidFill>
               </a:rPr>
-              <a:t>Ever, only, </a:t>
-            </a:r>
-            <a:r>
-              <a:rPr lang="en-US" sz="3600">
-                <a:solidFill>
-                  <a:schemeClr val="bg1"/>
-                </a:solidFill>
-              </a:rPr>
-              <a:t>all for Thee.</a:t>
-            </a:r>
-            <a:endParaRPr lang="en-US" sz="3600" dirty="0">
-              <a:solidFill>
-                <a:schemeClr val="bg1"/>
-              </a:solidFill>
-            </a:endParaRPr>
+              <a:t>Ever, only, all for Thee.</a:t>
+            </a:r>
           </a:p>
         </p:txBody>
       </p:sp>

--- a/379 - Take my Life and Let it Be.pptx
+++ b/379 - Take my Life and Let it Be.pptx
@@ -242,7 +242,7 @@
           <a:p>
             <a:fld id="{32F7251A-AE54-443C-B8FE-5F636E835EBF}" type="datetimeFigureOut">
               <a:rPr lang="en-US" smtClean="0"/>
-              <a:t>9/16/2018</a:t>
+              <a:t>12/8/2019</a:t>
             </a:fld>
             <a:endParaRPr lang="en-US"/>
           </a:p>
@@ -410,7 +410,7 @@
           <a:p>
             <a:fld id="{32F7251A-AE54-443C-B8FE-5F636E835EBF}" type="datetimeFigureOut">
               <a:rPr lang="en-US" smtClean="0"/>
-              <a:t>9/16/2018</a:t>
+              <a:t>12/8/2019</a:t>
             </a:fld>
             <a:endParaRPr lang="en-US"/>
           </a:p>
@@ -588,7 +588,7 @@
           <a:p>
             <a:fld id="{32F7251A-AE54-443C-B8FE-5F636E835EBF}" type="datetimeFigureOut">
               <a:rPr lang="en-US" smtClean="0"/>
-              <a:t>9/16/2018</a:t>
+              <a:t>12/8/2019</a:t>
             </a:fld>
             <a:endParaRPr lang="en-US"/>
           </a:p>
@@ -756,7 +756,7 @@
           <a:p>
             <a:fld id="{32F7251A-AE54-443C-B8FE-5F636E835EBF}" type="datetimeFigureOut">
               <a:rPr lang="en-US" smtClean="0"/>
-              <a:t>9/16/2018</a:t>
+              <a:t>12/8/2019</a:t>
             </a:fld>
             <a:endParaRPr lang="en-US"/>
           </a:p>
@@ -1001,7 +1001,7 @@
           <a:p>
             <a:fld id="{32F7251A-AE54-443C-B8FE-5F636E835EBF}" type="datetimeFigureOut">
               <a:rPr lang="en-US" smtClean="0"/>
-              <a:t>9/16/2018</a:t>
+              <a:t>12/8/2019</a:t>
             </a:fld>
             <a:endParaRPr lang="en-US"/>
           </a:p>
@@ -1230,7 +1230,7 @@
           <a:p>
             <a:fld id="{32F7251A-AE54-443C-B8FE-5F636E835EBF}" type="datetimeFigureOut">
               <a:rPr lang="en-US" smtClean="0"/>
-              <a:t>9/16/2018</a:t>
+              <a:t>12/8/2019</a:t>
             </a:fld>
             <a:endParaRPr lang="en-US"/>
           </a:p>
@@ -1594,7 +1594,7 @@
           <a:p>
             <a:fld id="{32F7251A-AE54-443C-B8FE-5F636E835EBF}" type="datetimeFigureOut">
               <a:rPr lang="en-US" smtClean="0"/>
-              <a:t>9/16/2018</a:t>
+              <a:t>12/8/2019</a:t>
             </a:fld>
             <a:endParaRPr lang="en-US"/>
           </a:p>
@@ -1711,7 +1711,7 @@
           <a:p>
             <a:fld id="{32F7251A-AE54-443C-B8FE-5F636E835EBF}" type="datetimeFigureOut">
               <a:rPr lang="en-US" smtClean="0"/>
-              <a:t>9/16/2018</a:t>
+              <a:t>12/8/2019</a:t>
             </a:fld>
             <a:endParaRPr lang="en-US"/>
           </a:p>
@@ -1806,7 +1806,7 @@
           <a:p>
             <a:fld id="{32F7251A-AE54-443C-B8FE-5F636E835EBF}" type="datetimeFigureOut">
               <a:rPr lang="en-US" smtClean="0"/>
-              <a:t>9/16/2018</a:t>
+              <a:t>12/8/2019</a:t>
             </a:fld>
             <a:endParaRPr lang="en-US"/>
           </a:p>
@@ -2081,7 +2081,7 @@
           <a:p>
             <a:fld id="{32F7251A-AE54-443C-B8FE-5F636E835EBF}" type="datetimeFigureOut">
               <a:rPr lang="en-US" smtClean="0"/>
-              <a:t>9/16/2018</a:t>
+              <a:t>12/8/2019</a:t>
             </a:fld>
             <a:endParaRPr lang="en-US"/>
           </a:p>
@@ -2333,7 +2333,7 @@
           <a:p>
             <a:fld id="{32F7251A-AE54-443C-B8FE-5F636E835EBF}" type="datetimeFigureOut">
               <a:rPr lang="en-US" smtClean="0"/>
-              <a:t>9/16/2018</a:t>
+              <a:t>12/8/2019</a:t>
             </a:fld>
             <a:endParaRPr lang="en-US"/>
           </a:p>
@@ -2400,7 +2400,9 @@
     <p:bg>
       <p:bgPr>
         <a:solidFill>
-          <a:srgbClr val="333333"/>
+          <a:schemeClr val="bg1">
+            <a:lumMod val="10000"/>
+          </a:schemeClr>
         </a:solidFill>
         <a:effectLst/>
       </p:bgPr>
@@ -2547,7 +2549,7 @@
           <a:p>
             <a:fld id="{32F7251A-AE54-443C-B8FE-5F636E835EBF}" type="datetimeFigureOut">
               <a:rPr lang="en-US" smtClean="0"/>
-              <a:t>9/16/2018</a:t>
+              <a:t>12/8/2019</a:t>
             </a:fld>
             <a:endParaRPr lang="en-US"/>
           </a:p>
@@ -3017,8 +3019,8 @@
         </p:nvSpPr>
         <p:spPr>
           <a:xfrm>
-            <a:off x="0" y="5804209"/>
-            <a:ext cx="12192000" cy="830997"/>
+            <a:off x="0" y="5927320"/>
+            <a:ext cx="12192000" cy="584775"/>
           </a:xfrm>
           <a:prstGeom prst="rect">
             <a:avLst/>
@@ -3033,10 +3035,12 @@
           <a:p>
             <a:pPr algn="ctr"/>
             <a:r>
-              <a:rPr lang="en-US" sz="4800" dirty="0">
+              <a:rPr lang="en-US" sz="3200" u="sng" dirty="0">
                 <a:solidFill>
                   <a:schemeClr val="bg1"/>
                 </a:solidFill>
+                <a:latin typeface="Assistant SemiBold" panose="00000700000000000000" pitchFamily="2" charset="-79"/>
+                <a:cs typeface="Assistant SemiBold" panose="00000700000000000000" pitchFamily="2" charset="-79"/>
               </a:rPr>
               <a:t>“Take My Life and Let it Be”</a:t>
             </a:r>
@@ -3051,8 +3055,8 @@
         </p:nvSpPr>
         <p:spPr>
           <a:xfrm>
-            <a:off x="0" y="334672"/>
-            <a:ext cx="12192000" cy="5078313"/>
+            <a:off x="0" y="821562"/>
+            <a:ext cx="12192000" cy="3970318"/>
           </a:xfrm>
           <a:prstGeom prst="rect">
             <a:avLst/>
@@ -3067,10 +3071,12 @@
           <a:p>
             <a:pPr algn="ctr"/>
             <a:r>
-              <a:rPr lang="en-US" sz="3600" dirty="0">
+              <a:rPr lang="en-US" sz="2800" spc="50" dirty="0">
                 <a:solidFill>
                   <a:schemeClr val="bg1"/>
                 </a:solidFill>
+                <a:latin typeface="Assistant" panose="00000500000000000000" pitchFamily="2" charset="-79"/>
+                <a:cs typeface="Assistant" panose="00000500000000000000" pitchFamily="2" charset="-79"/>
               </a:rPr>
               <a:t>Take my life and let it be</a:t>
             </a:r>
@@ -3078,10 +3084,12 @@
           <a:p>
             <a:pPr algn="ctr"/>
             <a:r>
-              <a:rPr lang="en-US" sz="3600" dirty="0">
+              <a:rPr lang="en-US" sz="2800" spc="50" dirty="0">
                 <a:solidFill>
                   <a:schemeClr val="bg1"/>
                 </a:solidFill>
+                <a:latin typeface="Assistant" panose="00000500000000000000" pitchFamily="2" charset="-79"/>
+                <a:cs typeface="Assistant" panose="00000500000000000000" pitchFamily="2" charset="-79"/>
               </a:rPr>
               <a:t>Consecrated, Lord, to Thee;</a:t>
             </a:r>
@@ -3089,10 +3097,12 @@
           <a:p>
             <a:pPr algn="ctr"/>
             <a:r>
-              <a:rPr lang="en-US" sz="3600" dirty="0">
+              <a:rPr lang="en-US" sz="2800" spc="50" dirty="0">
                 <a:solidFill>
                   <a:schemeClr val="bg1"/>
                 </a:solidFill>
+                <a:latin typeface="Assistant" panose="00000500000000000000" pitchFamily="2" charset="-79"/>
+                <a:cs typeface="Assistant" panose="00000500000000000000" pitchFamily="2" charset="-79"/>
               </a:rPr>
               <a:t>Take my moments and my days,</a:t>
             </a:r>
@@ -3100,29 +3110,35 @@
           <a:p>
             <a:pPr algn="ctr"/>
             <a:r>
-              <a:rPr lang="en-US" sz="3600" dirty="0">
+              <a:rPr lang="en-US" sz="2800" spc="50" dirty="0">
                 <a:solidFill>
                   <a:schemeClr val="bg1"/>
                 </a:solidFill>
+                <a:latin typeface="Assistant" panose="00000500000000000000" pitchFamily="2" charset="-79"/>
+                <a:cs typeface="Assistant" panose="00000500000000000000" pitchFamily="2" charset="-79"/>
               </a:rPr>
               <a:t>Let them flow in ceaseless praise.</a:t>
             </a:r>
           </a:p>
           <a:p>
             <a:pPr algn="ctr"/>
-            <a:endParaRPr lang="en-US" sz="3600" dirty="0">
+            <a:endParaRPr lang="en-US" sz="2800" spc="50" dirty="0">
               <a:solidFill>
                 <a:schemeClr val="bg1"/>
               </a:solidFill>
+              <a:latin typeface="Assistant" panose="00000500000000000000" pitchFamily="2" charset="-79"/>
+              <a:cs typeface="Assistant" panose="00000500000000000000" pitchFamily="2" charset="-79"/>
             </a:endParaRPr>
           </a:p>
           <a:p>
             <a:pPr algn="ctr"/>
             <a:r>
-              <a:rPr lang="en-US" sz="3600" dirty="0">
+              <a:rPr lang="en-US" sz="2800" spc="50" dirty="0">
                 <a:solidFill>
                   <a:schemeClr val="bg1"/>
                 </a:solidFill>
+                <a:latin typeface="Assistant" panose="00000500000000000000" pitchFamily="2" charset="-79"/>
+                <a:cs typeface="Assistant" panose="00000500000000000000" pitchFamily="2" charset="-79"/>
               </a:rPr>
               <a:t>Take my hands, my feet, my love,</a:t>
             </a:r>
@@ -3130,10 +3146,12 @@
           <a:p>
             <a:pPr algn="ctr"/>
             <a:r>
-              <a:rPr lang="en-US" sz="3600" dirty="0">
+              <a:rPr lang="en-US" sz="2800" spc="50" dirty="0">
                 <a:solidFill>
                   <a:schemeClr val="bg1"/>
                 </a:solidFill>
+                <a:latin typeface="Assistant" panose="00000500000000000000" pitchFamily="2" charset="-79"/>
+                <a:cs typeface="Assistant" panose="00000500000000000000" pitchFamily="2" charset="-79"/>
               </a:rPr>
               <a:t>At Thy impulse let them move;</a:t>
             </a:r>
@@ -3141,10 +3159,12 @@
           <a:p>
             <a:pPr algn="ctr"/>
             <a:r>
-              <a:rPr lang="en-US" sz="3600" dirty="0">
+              <a:rPr lang="en-US" sz="2800" spc="50" dirty="0">
                 <a:solidFill>
                   <a:schemeClr val="bg1"/>
                 </a:solidFill>
+                <a:latin typeface="Assistant" panose="00000500000000000000" pitchFamily="2" charset="-79"/>
+                <a:cs typeface="Assistant" panose="00000500000000000000" pitchFamily="2" charset="-79"/>
               </a:rPr>
               <a:t>Take my voice and let me sing</a:t>
             </a:r>
@@ -3152,10 +3172,12 @@
           <a:p>
             <a:pPr algn="ctr"/>
             <a:r>
-              <a:rPr lang="en-US" sz="3600" dirty="0">
+              <a:rPr lang="en-US" sz="2800" spc="50" dirty="0">
                 <a:solidFill>
                   <a:schemeClr val="bg1"/>
                 </a:solidFill>
+                <a:latin typeface="Assistant" panose="00000500000000000000" pitchFamily="2" charset="-79"/>
+                <a:cs typeface="Assistant" panose="00000500000000000000" pitchFamily="2" charset="-79"/>
               </a:rPr>
               <a:t>Always, only, for my King.</a:t>
             </a:r>
@@ -3257,8 +3279,8 @@
         </p:nvSpPr>
         <p:spPr>
           <a:xfrm>
-            <a:off x="0" y="5804209"/>
-            <a:ext cx="12192000" cy="830997"/>
+            <a:off x="0" y="5927320"/>
+            <a:ext cx="12192000" cy="584775"/>
           </a:xfrm>
           <a:prstGeom prst="rect">
             <a:avLst/>
@@ -3273,10 +3295,12 @@
           <a:p>
             <a:pPr algn="ctr"/>
             <a:r>
-              <a:rPr lang="en-US" sz="4800" dirty="0">
+              <a:rPr lang="en-US" sz="3200" u="sng" dirty="0">
                 <a:solidFill>
                   <a:schemeClr val="bg1"/>
                 </a:solidFill>
+                <a:latin typeface="Assistant SemiBold" panose="00000700000000000000" pitchFamily="2" charset="-79"/>
+                <a:cs typeface="Assistant SemiBold" panose="00000700000000000000" pitchFamily="2" charset="-79"/>
               </a:rPr>
               <a:t>“Take My Life and Let it Be”</a:t>
             </a:r>
@@ -3291,8 +3315,8 @@
         </p:nvSpPr>
         <p:spPr>
           <a:xfrm>
-            <a:off x="0" y="334672"/>
-            <a:ext cx="12192000" cy="5078313"/>
+            <a:off x="0" y="833437"/>
+            <a:ext cx="12192000" cy="3970318"/>
           </a:xfrm>
           <a:prstGeom prst="rect">
             <a:avLst/>
@@ -3307,10 +3331,12 @@
           <a:p>
             <a:pPr algn="ctr"/>
             <a:r>
-              <a:rPr lang="en-US" sz="3600" dirty="0">
+              <a:rPr lang="en-US" sz="2800" spc="50" dirty="0">
                 <a:solidFill>
                   <a:schemeClr val="bg1"/>
                 </a:solidFill>
+                <a:latin typeface="Assistant" panose="00000500000000000000" pitchFamily="2" charset="-79"/>
+                <a:cs typeface="Assistant" panose="00000500000000000000" pitchFamily="2" charset="-79"/>
               </a:rPr>
               <a:t>Take my silver and my gold;</a:t>
             </a:r>
@@ -3318,10 +3344,12 @@
           <a:p>
             <a:pPr algn="ctr"/>
             <a:r>
-              <a:rPr lang="en-US" sz="3600" dirty="0">
+              <a:rPr lang="en-US" sz="2800" spc="50" dirty="0">
                 <a:solidFill>
                   <a:schemeClr val="bg1"/>
                 </a:solidFill>
+                <a:latin typeface="Assistant" panose="00000500000000000000" pitchFamily="2" charset="-79"/>
+                <a:cs typeface="Assistant" panose="00000500000000000000" pitchFamily="2" charset="-79"/>
               </a:rPr>
               <a:t>Naught of Thine would I withhold;</a:t>
             </a:r>
@@ -3329,10 +3357,12 @@
           <a:p>
             <a:pPr algn="ctr"/>
             <a:r>
-              <a:rPr lang="en-US" sz="3600" dirty="0">
+              <a:rPr lang="en-US" sz="2800" spc="50" dirty="0">
                 <a:solidFill>
                   <a:schemeClr val="bg1"/>
                 </a:solidFill>
+                <a:latin typeface="Assistant" panose="00000500000000000000" pitchFamily="2" charset="-79"/>
+                <a:cs typeface="Assistant" panose="00000500000000000000" pitchFamily="2" charset="-79"/>
               </a:rPr>
               <a:t>Take my heart, my mind, my will,</a:t>
             </a:r>
@@ -3340,29 +3370,35 @@
           <a:p>
             <a:pPr algn="ctr"/>
             <a:r>
-              <a:rPr lang="en-US" sz="3600" dirty="0">
+              <a:rPr lang="en-US" sz="2800" spc="50" dirty="0">
                 <a:solidFill>
                   <a:schemeClr val="bg1"/>
                 </a:solidFill>
+                <a:latin typeface="Assistant" panose="00000500000000000000" pitchFamily="2" charset="-79"/>
+                <a:cs typeface="Assistant" panose="00000500000000000000" pitchFamily="2" charset="-79"/>
               </a:rPr>
               <a:t>Let them be Thy servants still.</a:t>
             </a:r>
           </a:p>
           <a:p>
             <a:pPr algn="ctr"/>
-            <a:endParaRPr lang="en-US" sz="3600" dirty="0">
+            <a:endParaRPr lang="en-US" sz="2800" spc="50" dirty="0">
               <a:solidFill>
                 <a:schemeClr val="bg1"/>
               </a:solidFill>
+              <a:latin typeface="Assistant" panose="00000500000000000000" pitchFamily="2" charset="-79"/>
+              <a:cs typeface="Assistant" panose="00000500000000000000" pitchFamily="2" charset="-79"/>
             </a:endParaRPr>
           </a:p>
           <a:p>
             <a:pPr algn="ctr"/>
             <a:r>
-              <a:rPr lang="en-US" sz="3600" dirty="0">
+              <a:rPr lang="en-US" sz="2800" spc="50" dirty="0">
                 <a:solidFill>
                   <a:schemeClr val="bg1"/>
                 </a:solidFill>
+                <a:latin typeface="Assistant" panose="00000500000000000000" pitchFamily="2" charset="-79"/>
+                <a:cs typeface="Assistant" panose="00000500000000000000" pitchFamily="2" charset="-79"/>
               </a:rPr>
               <a:t>Take my love, my Lord, I pour</a:t>
             </a:r>
@@ -3370,10 +3406,12 @@
           <a:p>
             <a:pPr algn="ctr"/>
             <a:r>
-              <a:rPr lang="en-US" sz="3600" dirty="0">
+              <a:rPr lang="en-US" sz="2800" spc="50" dirty="0">
                 <a:solidFill>
                   <a:schemeClr val="bg1"/>
                 </a:solidFill>
+                <a:latin typeface="Assistant" panose="00000500000000000000" pitchFamily="2" charset="-79"/>
+                <a:cs typeface="Assistant" panose="00000500000000000000" pitchFamily="2" charset="-79"/>
               </a:rPr>
               <a:t>At Thy feet its treasure store;</a:t>
             </a:r>
@@ -3381,10 +3419,12 @@
           <a:p>
             <a:pPr algn="ctr"/>
             <a:r>
-              <a:rPr lang="en-US" sz="3600" dirty="0">
+              <a:rPr lang="en-US" sz="2800" spc="50" dirty="0">
                 <a:solidFill>
                   <a:schemeClr val="bg1"/>
                 </a:solidFill>
+                <a:latin typeface="Assistant" panose="00000500000000000000" pitchFamily="2" charset="-79"/>
+                <a:cs typeface="Assistant" panose="00000500000000000000" pitchFamily="2" charset="-79"/>
               </a:rPr>
               <a:t>Take myself, and I will be</a:t>
             </a:r>
@@ -3392,10 +3432,12 @@
           <a:p>
             <a:pPr algn="ctr"/>
             <a:r>
-              <a:rPr lang="en-US" sz="3600" dirty="0">
+              <a:rPr lang="en-US" sz="2800" spc="50" dirty="0">
                 <a:solidFill>
                   <a:schemeClr val="bg1"/>
                 </a:solidFill>
+                <a:latin typeface="Assistant" panose="00000500000000000000" pitchFamily="2" charset="-79"/>
+                <a:cs typeface="Assistant" panose="00000500000000000000" pitchFamily="2" charset="-79"/>
               </a:rPr>
               <a:t>Ever, only, all for Thee.</a:t>
             </a:r>
